--- a/GitHub Präsentation.pptx
+++ b/GitHub Präsentation.pptx
@@ -6370,9 +6370,18 @@
           <a:p>
             <a:pPr rtl="0"/>
             <a:r>
-              <a:rPr lang="de-DE" dirty="0"/>
+              <a:rPr lang="de-DE" dirty="0">
+                <a:hlinkClick r:id="rId5">
+                  <a:extLst>
+                    <a:ext uri="{A12FA001-AC4F-418D-AE19-62706E023703}">
+                      <ahyp:hlinkClr xmlns:ahyp="http://schemas.microsoft.com/office/drawing/2018/hyperlinkcolor" val="tx"/>
+                    </a:ext>
+                  </a:extLst>
+                </a:hlinkClick>
+              </a:rPr>
               <a:t>https://github.com/Luksch187/HS-Landshut-DuA-Uebungen</a:t>
             </a:r>
+            <a:endParaRPr lang="de-DE" dirty="0"/>
           </a:p>
         </p:txBody>
       </p:sp>
@@ -6391,7 +6400,7 @@
           <p:nvPr/>
         </p:nvPicPr>
         <p:blipFill>
-          <a:blip r:embed="rId5"/>
+          <a:blip r:embed="rId6"/>
           <a:stretch>
             <a:fillRect/>
           </a:stretch>
@@ -6864,7 +6873,7 @@
         <p:spPr>
           <a:xfrm>
             <a:off x="736463" y="2610683"/>
-            <a:ext cx="5857103" cy="3693319"/>
+            <a:ext cx="5857103" cy="3139321"/>
           </a:xfrm>
           <a:prstGeom prst="rect">
             <a:avLst/>
@@ -6886,20 +6895,7 @@
                 <a:effectLst/>
                 <a:latin typeface="Charlie Display"/>
               </a:rPr>
-              <a:t>Versionskontrolle, auch Quellcodeverwaltung genannt, ist die Praxis der Nachverfolgung und Verwaltung von Änderungen am Softwarecode. </a:t>
-            </a:r>
-          </a:p>
-          <a:p>
-            <a:pPr marL="285750" indent="-285750" algn="l" fontAlgn="base">
-              <a:buFont typeface="Arial" panose="020B0604020202020204" pitchFamily="34" charset="0"/>
-              <a:buChar char="•"/>
-            </a:pPr>
-            <a:r>
-              <a:rPr lang="de-DE" b="0" i="0" dirty="0">
-                <a:effectLst/>
-                <a:latin typeface="Charlie Display"/>
-              </a:rPr>
-              <a:t>Versionskontrollsysteme sind Softwaretools, die Softwareteams dabei helfen, Änderungen am Quellcode im Laufe der Zeit zu verwalten.</a:t>
+              <a:t>Versionskontrolle, auch Quellcodeverwaltung genannt, bezeichnet die Nachverfolgung und Verwaltung von Änderungen am Softwarecode. </a:t>
             </a:r>
           </a:p>
           <a:p>
@@ -6925,7 +6921,7 @@
                 <a:effectLst/>
                 <a:latin typeface="Charlie Display"/>
               </a:rPr>
-              <a:t>Wenn ein Fehler gemacht wird, können Entwickler die Zeit zurückdrehen und frühere Versionen des Codes vergleichen, um den Fehler zu beheben und gleichzeitig die Störung für alle Teammitglieder zu minimieren.</a:t>
+              <a:t>Wenn ein Fehler gemacht wird, können Entwickler die Zeit zurückdrehen und frühere Versionen des Codes wiederherstellen, um den Fehler zu beheben und gleichzeitig die Störung für alle Teammitglieder zu minimieren.</a:t>
             </a:r>
           </a:p>
           <a:p>
@@ -7535,36 +7531,6 @@
           </a:prstGeom>
         </p:spPr>
       </p:pic>
-      <p:pic>
-        <p:nvPicPr>
-          <p:cNvPr id="10" name="Grafik 9">
-            <a:extLst>
-              <a:ext uri="{FF2B5EF4-FFF2-40B4-BE49-F238E27FC236}">
-                <a16:creationId xmlns:a16="http://schemas.microsoft.com/office/drawing/2014/main" id="{F40ACDDD-5C41-226D-6198-D2F265FE2C91}"/>
-              </a:ext>
-            </a:extLst>
-          </p:cNvPr>
-          <p:cNvPicPr>
-            <a:picLocks noChangeAspect="1"/>
-          </p:cNvPicPr>
-          <p:nvPr/>
-        </p:nvPicPr>
-        <p:blipFill>
-          <a:blip r:embed="rId4"/>
-          <a:stretch>
-            <a:fillRect/>
-          </a:stretch>
-        </p:blipFill>
-        <p:spPr>
-          <a:xfrm>
-            <a:off x="533812" y="3807720"/>
-            <a:ext cx="5506471" cy="516983"/>
-          </a:xfrm>
-          <a:prstGeom prst="rect">
-            <a:avLst/>
-          </a:prstGeom>
-        </p:spPr>
-      </p:pic>
     </p:spTree>
     <p:extLst>
       <p:ext uri="{BB962C8B-B14F-4D97-AF65-F5344CB8AC3E}">
@@ -9917,7 +9883,31 @@
             <a:pPr algn="ctr"/>
             <a:r>
               <a:rPr lang="de-DE" sz="1400" dirty="0"/>
-              <a:t>GitHub Actions ermöglicht die Automatisierung von Workflows in deinem Repository. Du kannst benutzerdefinierte Workflows erstellen, die auf Ereignisse wie </a:t>
+              <a:t>GitHub bietet ein leistungsstarkes </a:t>
+            </a:r>
+            <a:r>
+              <a:rPr lang="de-DE" sz="1400" dirty="0" err="1"/>
+              <a:t>Issue</a:t>
+            </a:r>
+            <a:r>
+              <a:rPr lang="de-DE" sz="1400" dirty="0"/>
+              <a:t>-Tracking-System. </a:t>
+            </a:r>
+            <a:r>
+              <a:rPr lang="de-DE" sz="1400" dirty="0" err="1"/>
+              <a:t>Issues</a:t>
+            </a:r>
+            <a:r>
+              <a:rPr lang="de-DE" sz="1400" dirty="0"/>
+              <a:t> können für Fehlerberichte, Feature-Anfragen, Diskussionen und Aufgaben verwendet werden. Teammitglieder können </a:t>
+            </a:r>
+            <a:r>
+              <a:rPr lang="de-DE" sz="1400" dirty="0" err="1"/>
+              <a:t>Issues</a:t>
+            </a:r>
+            <a:r>
+              <a:rPr lang="de-DE" sz="1400" dirty="0"/>
+              <a:t> zuweisen, kommentieren und mit </a:t>
             </a:r>
             <a:r>
               <a:rPr lang="de-DE" sz="1400" dirty="0" err="1"/>
@@ -9925,15 +9915,7 @@
             </a:r>
             <a:r>
               <a:rPr lang="de-DE" sz="1400" dirty="0"/>
-              <a:t> oder Pull </a:t>
-            </a:r>
-            <a:r>
-              <a:rPr lang="de-DE" sz="1400" dirty="0" err="1"/>
-              <a:t>Requests</a:t>
-            </a:r>
-            <a:r>
-              <a:rPr lang="de-DE" sz="1400" dirty="0"/>
-              <a:t> reagieren. Dies erleichtert die Integration von Tests, Bereitstellungen und anderen automatisierten Aufgaben.</a:t>
+              <a:t> verknüpfen.</a:t>
             </a:r>
           </a:p>
         </p:txBody>
